--- a/src/ppt8_ar.pptx
+++ b/src/ppt8_ar.pptx
@@ -120,7 +120,7 @@
   </p:defaultTextStyle>
   <p:extLst>
     <p:ext uri="{EFAFB233-063F-42B5-8137-9DF3F51BA10A}">
-      <p15:sldGuideLst xmlns:p15="http://schemas.microsoft.com/office/powerpoint/2012/main">
+      <p15:sldGuideLst xmlns:p15="http://schemas.microsoft.com/office/powerpoint/2012/main" xmlns="">
         <p15:guide id="1" orient="horz" pos="2160">
           <p15:clr>
             <a:srgbClr val="A4A3A4"/>
@@ -220,7 +220,7 @@
             <a:fld id="{288C3450-B1F7-4D70-BBD4-DE10EE2FA08A}" type="datetimeFigureOut">
               <a:rPr lang="he-IL" smtClean="0"/>
               <a:pPr/>
-              <a:t>א'/טבת/תשע"ח</a:t>
+              <a:t>י"א/אדר/תשע"ח</a:t>
             </a:fld>
             <a:endParaRPr lang="he-IL"/>
           </a:p>
@@ -1839,7 +1839,7 @@
             <a:fld id="{48A87A34-81AB-432B-8DAE-1953F412C126}" type="datetimeFigureOut">
               <a:rPr lang="en-US" smtClean="0"/>
               <a:pPr/>
-              <a:t>12/19/2017</a:t>
+              <a:t>2/26/2018</a:t>
             </a:fld>
             <a:endParaRPr lang="en-US" dirty="0"/>
           </a:p>
@@ -1891,7 +1891,7 @@
     </p:spTree>
     <p:extLst>
       <p:ext uri="{BB962C8B-B14F-4D97-AF65-F5344CB8AC3E}">
-        <p14:creationId xmlns:p14="http://schemas.microsoft.com/office/powerpoint/2010/main" val="2379700270"/>
+        <p14:creationId xmlns:p14="http://schemas.microsoft.com/office/powerpoint/2010/main" xmlns="" val="2379700270"/>
       </p:ext>
     </p:extLst>
   </p:cSld>
@@ -2092,7 +2092,7 @@
             <a:fld id="{48A87A34-81AB-432B-8DAE-1953F412C126}" type="datetimeFigureOut">
               <a:rPr lang="en-US" smtClean="0"/>
               <a:pPr/>
-              <a:t>12/19/2017</a:t>
+              <a:t>2/26/2018</a:t>
             </a:fld>
             <a:endParaRPr lang="en-US" dirty="0"/>
           </a:p>
@@ -2144,7 +2144,7 @@
     </p:spTree>
     <p:extLst>
       <p:ext uri="{BB962C8B-B14F-4D97-AF65-F5344CB8AC3E}">
-        <p14:creationId xmlns:p14="http://schemas.microsoft.com/office/powerpoint/2010/main" val="1804991245"/>
+        <p14:creationId xmlns:p14="http://schemas.microsoft.com/office/powerpoint/2010/main" xmlns="" val="1804991245"/>
       </p:ext>
     </p:extLst>
   </p:cSld>
@@ -2408,7 +2408,7 @@
             <a:fld id="{48A87A34-81AB-432B-8DAE-1953F412C126}" type="datetimeFigureOut">
               <a:rPr lang="en-US" smtClean="0"/>
               <a:pPr/>
-              <a:t>12/19/2017</a:t>
+              <a:t>2/26/2018</a:t>
             </a:fld>
             <a:endParaRPr lang="en-US" dirty="0"/>
           </a:p>
@@ -2550,7 +2550,7 @@
     </p:spTree>
     <p:extLst>
       <p:ext uri="{BB962C8B-B14F-4D97-AF65-F5344CB8AC3E}">
-        <p14:creationId xmlns:p14="http://schemas.microsoft.com/office/powerpoint/2010/main" val="1473712570"/>
+        <p14:creationId xmlns:p14="http://schemas.microsoft.com/office/powerpoint/2010/main" xmlns="" val="1473712570"/>
       </p:ext>
     </p:extLst>
   </p:cSld>
@@ -2751,7 +2751,7 @@
             <a:fld id="{48A87A34-81AB-432B-8DAE-1953F412C126}" type="datetimeFigureOut">
               <a:rPr lang="en-US" smtClean="0"/>
               <a:pPr/>
-              <a:t>12/19/2017</a:t>
+              <a:t>2/26/2018</a:t>
             </a:fld>
             <a:endParaRPr lang="en-US" dirty="0"/>
           </a:p>
@@ -2803,7 +2803,7 @@
     </p:spTree>
     <p:extLst>
       <p:ext uri="{BB962C8B-B14F-4D97-AF65-F5344CB8AC3E}">
-        <p14:creationId xmlns:p14="http://schemas.microsoft.com/office/powerpoint/2010/main" val="2530574234"/>
+        <p14:creationId xmlns:p14="http://schemas.microsoft.com/office/powerpoint/2010/main" xmlns="" val="2530574234"/>
       </p:ext>
     </p:extLst>
   </p:cSld>
@@ -3067,7 +3067,7 @@
             <a:fld id="{48A87A34-81AB-432B-8DAE-1953F412C126}" type="datetimeFigureOut">
               <a:rPr lang="en-US" smtClean="0"/>
               <a:pPr/>
-              <a:t>12/19/2017</a:t>
+              <a:t>2/26/2018</a:t>
             </a:fld>
             <a:endParaRPr lang="en-US" dirty="0"/>
           </a:p>
@@ -3201,7 +3201,7 @@
     </p:spTree>
     <p:extLst>
       <p:ext uri="{BB962C8B-B14F-4D97-AF65-F5344CB8AC3E}">
-        <p14:creationId xmlns:p14="http://schemas.microsoft.com/office/powerpoint/2010/main" val="1004790222"/>
+        <p14:creationId xmlns:p14="http://schemas.microsoft.com/office/powerpoint/2010/main" xmlns="" val="1004790222"/>
       </p:ext>
     </p:extLst>
   </p:cSld>
@@ -3462,7 +3462,7 @@
             <a:fld id="{48A87A34-81AB-432B-8DAE-1953F412C126}" type="datetimeFigureOut">
               <a:rPr lang="en-US" smtClean="0"/>
               <a:pPr/>
-              <a:t>12/19/2017</a:t>
+              <a:t>2/26/2018</a:t>
             </a:fld>
             <a:endParaRPr lang="en-US" dirty="0"/>
           </a:p>
@@ -3514,7 +3514,7 @@
     </p:spTree>
     <p:extLst>
       <p:ext uri="{BB962C8B-B14F-4D97-AF65-F5344CB8AC3E}">
-        <p14:creationId xmlns:p14="http://schemas.microsoft.com/office/powerpoint/2010/main" val="3328784466"/>
+        <p14:creationId xmlns:p14="http://schemas.microsoft.com/office/powerpoint/2010/main" xmlns="" val="3328784466"/>
       </p:ext>
     </p:extLst>
   </p:cSld>
@@ -3634,7 +3634,7 @@
             <a:fld id="{48A87A34-81AB-432B-8DAE-1953F412C126}" type="datetimeFigureOut">
               <a:rPr lang="en-US" smtClean="0"/>
               <a:pPr/>
-              <a:t>12/19/2017</a:t>
+              <a:t>2/26/2018</a:t>
             </a:fld>
             <a:endParaRPr lang="en-US" dirty="0"/>
           </a:p>
@@ -3686,7 +3686,7 @@
     </p:spTree>
     <p:extLst>
       <p:ext uri="{BB962C8B-B14F-4D97-AF65-F5344CB8AC3E}">
-        <p14:creationId xmlns:p14="http://schemas.microsoft.com/office/powerpoint/2010/main" val="1447070425"/>
+        <p14:creationId xmlns:p14="http://schemas.microsoft.com/office/powerpoint/2010/main" xmlns="" val="1447070425"/>
       </p:ext>
     </p:extLst>
   </p:cSld>
@@ -3816,7 +3816,7 @@
             <a:fld id="{48A87A34-81AB-432B-8DAE-1953F412C126}" type="datetimeFigureOut">
               <a:rPr lang="en-US" smtClean="0"/>
               <a:pPr/>
-              <a:t>12/19/2017</a:t>
+              <a:t>2/26/2018</a:t>
             </a:fld>
             <a:endParaRPr lang="en-US" dirty="0"/>
           </a:p>
@@ -3868,7 +3868,7 @@
     </p:spTree>
     <p:extLst>
       <p:ext uri="{BB962C8B-B14F-4D97-AF65-F5344CB8AC3E}">
-        <p14:creationId xmlns:p14="http://schemas.microsoft.com/office/powerpoint/2010/main" val="3648480235"/>
+        <p14:creationId xmlns:p14="http://schemas.microsoft.com/office/powerpoint/2010/main" xmlns="" val="3648480235"/>
       </p:ext>
     </p:extLst>
   </p:cSld>
@@ -3994,7 +3994,7 @@
             <a:fld id="{48A87A34-81AB-432B-8DAE-1953F412C126}" type="datetimeFigureOut">
               <a:rPr lang="en-US" smtClean="0"/>
               <a:pPr/>
-              <a:t>12/19/2017</a:t>
+              <a:t>2/26/2018</a:t>
             </a:fld>
             <a:endParaRPr lang="en-US" dirty="0"/>
           </a:p>
@@ -4046,7 +4046,7 @@
     </p:spTree>
     <p:extLst>
       <p:ext uri="{BB962C8B-B14F-4D97-AF65-F5344CB8AC3E}">
-        <p14:creationId xmlns:p14="http://schemas.microsoft.com/office/powerpoint/2010/main" val="2649633687"/>
+        <p14:creationId xmlns:p14="http://schemas.microsoft.com/office/powerpoint/2010/main" xmlns="" val="2649633687"/>
       </p:ext>
     </p:extLst>
   </p:cSld>
@@ -4243,7 +4243,7 @@
             <a:fld id="{48A87A34-81AB-432B-8DAE-1953F412C126}" type="datetimeFigureOut">
               <a:rPr lang="en-US" smtClean="0"/>
               <a:pPr/>
-              <a:t>12/19/2017</a:t>
+              <a:t>2/26/2018</a:t>
             </a:fld>
             <a:endParaRPr lang="en-US" dirty="0"/>
           </a:p>
@@ -4295,7 +4295,7 @@
     </p:spTree>
     <p:extLst>
       <p:ext uri="{BB962C8B-B14F-4D97-AF65-F5344CB8AC3E}">
-        <p14:creationId xmlns:p14="http://schemas.microsoft.com/office/powerpoint/2010/main" val="572893903"/>
+        <p14:creationId xmlns:p14="http://schemas.microsoft.com/office/powerpoint/2010/main" xmlns="" val="572893903"/>
       </p:ext>
     </p:extLst>
   </p:cSld>
@@ -4477,7 +4477,7 @@
             <a:fld id="{48A87A34-81AB-432B-8DAE-1953F412C126}" type="datetimeFigureOut">
               <a:rPr lang="en-US" smtClean="0"/>
               <a:pPr/>
-              <a:t>12/19/2017</a:t>
+              <a:t>2/26/2018</a:t>
             </a:fld>
             <a:endParaRPr lang="en-US" dirty="0"/>
           </a:p>
@@ -4529,7 +4529,7 @@
     </p:spTree>
     <p:extLst>
       <p:ext uri="{BB962C8B-B14F-4D97-AF65-F5344CB8AC3E}">
-        <p14:creationId xmlns:p14="http://schemas.microsoft.com/office/powerpoint/2010/main" val="3918475607"/>
+        <p14:creationId xmlns:p14="http://schemas.microsoft.com/office/powerpoint/2010/main" xmlns="" val="3918475607"/>
       </p:ext>
     </p:extLst>
   </p:cSld>
@@ -4853,7 +4853,7 @@
             <a:fld id="{48A87A34-81AB-432B-8DAE-1953F412C126}" type="datetimeFigureOut">
               <a:rPr lang="en-US" smtClean="0"/>
               <a:pPr/>
-              <a:t>12/19/2017</a:t>
+              <a:t>2/26/2018</a:t>
             </a:fld>
             <a:endParaRPr lang="en-US" dirty="0"/>
           </a:p>
@@ -4905,7 +4905,7 @@
     </p:spTree>
     <p:extLst>
       <p:ext uri="{BB962C8B-B14F-4D97-AF65-F5344CB8AC3E}">
-        <p14:creationId xmlns:p14="http://schemas.microsoft.com/office/powerpoint/2010/main" val="70569158"/>
+        <p14:creationId xmlns:p14="http://schemas.microsoft.com/office/powerpoint/2010/main" xmlns="" val="70569158"/>
       </p:ext>
     </p:extLst>
   </p:cSld>
@@ -4978,7 +4978,7 @@
             <a:fld id="{48A87A34-81AB-432B-8DAE-1953F412C126}" type="datetimeFigureOut">
               <a:rPr lang="en-US" smtClean="0"/>
               <a:pPr/>
-              <a:t>12/19/2017</a:t>
+              <a:t>2/26/2018</a:t>
             </a:fld>
             <a:endParaRPr lang="en-US" dirty="0"/>
           </a:p>
@@ -5030,7 +5030,7 @@
     </p:spTree>
     <p:extLst>
       <p:ext uri="{BB962C8B-B14F-4D97-AF65-F5344CB8AC3E}">
-        <p14:creationId xmlns:p14="http://schemas.microsoft.com/office/powerpoint/2010/main" val="3956773614"/>
+        <p14:creationId xmlns:p14="http://schemas.microsoft.com/office/powerpoint/2010/main" xmlns="" val="3956773614"/>
       </p:ext>
     </p:extLst>
   </p:cSld>
@@ -5075,7 +5075,7 @@
             <a:fld id="{48A87A34-81AB-432B-8DAE-1953F412C126}" type="datetimeFigureOut">
               <a:rPr lang="en-US" smtClean="0"/>
               <a:pPr/>
-              <a:t>12/19/2017</a:t>
+              <a:t>2/26/2018</a:t>
             </a:fld>
             <a:endParaRPr lang="en-US" dirty="0"/>
           </a:p>
@@ -5127,7 +5127,7 @@
     </p:spTree>
     <p:extLst>
       <p:ext uri="{BB962C8B-B14F-4D97-AF65-F5344CB8AC3E}">
-        <p14:creationId xmlns:p14="http://schemas.microsoft.com/office/powerpoint/2010/main" val="843387325"/>
+        <p14:creationId xmlns:p14="http://schemas.microsoft.com/office/powerpoint/2010/main" xmlns="" val="843387325"/>
       </p:ext>
     </p:extLst>
   </p:cSld>
@@ -5332,7 +5332,7 @@
             <a:fld id="{48A87A34-81AB-432B-8DAE-1953F412C126}" type="datetimeFigureOut">
               <a:rPr lang="en-US" smtClean="0"/>
               <a:pPr/>
-              <a:t>12/19/2017</a:t>
+              <a:t>2/26/2018</a:t>
             </a:fld>
             <a:endParaRPr lang="en-US" dirty="0"/>
           </a:p>
@@ -5384,7 +5384,7 @@
     </p:spTree>
     <p:extLst>
       <p:ext uri="{BB962C8B-B14F-4D97-AF65-F5344CB8AC3E}">
-        <p14:creationId xmlns:p14="http://schemas.microsoft.com/office/powerpoint/2010/main" val="614752468"/>
+        <p14:creationId xmlns:p14="http://schemas.microsoft.com/office/powerpoint/2010/main" xmlns="" val="614752468"/>
       </p:ext>
     </p:extLst>
   </p:cSld>
@@ -5597,7 +5597,7 @@
             <a:fld id="{48A87A34-81AB-432B-8DAE-1953F412C126}" type="datetimeFigureOut">
               <a:rPr lang="en-US" smtClean="0"/>
               <a:pPr/>
-              <a:t>12/19/2017</a:t>
+              <a:t>2/26/2018</a:t>
             </a:fld>
             <a:endParaRPr lang="en-US" dirty="0"/>
           </a:p>
@@ -5649,7 +5649,7 @@
     </p:spTree>
     <p:extLst>
       <p:ext uri="{BB962C8B-B14F-4D97-AF65-F5344CB8AC3E}">
-        <p14:creationId xmlns:p14="http://schemas.microsoft.com/office/powerpoint/2010/main" val="2525773852"/>
+        <p14:creationId xmlns:p14="http://schemas.microsoft.com/office/powerpoint/2010/main" xmlns="" val="2525773852"/>
       </p:ext>
     </p:extLst>
   </p:cSld>
@@ -6342,7 +6342,7 @@
             <a:fld id="{48A87A34-81AB-432B-8DAE-1953F412C126}" type="datetimeFigureOut">
               <a:rPr lang="en-US" smtClean="0"/>
               <a:pPr/>
-              <a:t>12/19/2017</a:t>
+              <a:t>2/26/2018</a:t>
             </a:fld>
             <a:endParaRPr lang="en-US" dirty="0"/>
           </a:p>
@@ -6428,7 +6428,7 @@
     </p:spTree>
     <p:extLst>
       <p:ext uri="{BB962C8B-B14F-4D97-AF65-F5344CB8AC3E}">
-        <p14:creationId xmlns:p14="http://schemas.microsoft.com/office/powerpoint/2010/main" val="2849168193"/>
+        <p14:creationId xmlns:p14="http://schemas.microsoft.com/office/powerpoint/2010/main" xmlns="" val="2849168193"/>
       </p:ext>
     </p:extLst>
   </p:cSld>
@@ -6906,7 +6906,7 @@
     </p:spTree>
     <p:extLst>
       <p:ext uri="{BB962C8B-B14F-4D97-AF65-F5344CB8AC3E}">
-        <p14:creationId xmlns:p14="http://schemas.microsoft.com/office/powerpoint/2010/main" val="1597654807"/>
+        <p14:creationId xmlns:p14="http://schemas.microsoft.com/office/powerpoint/2010/main" xmlns="" val="1597654807"/>
       </p:ext>
     </p:extLst>
   </p:cSld>
@@ -7038,14 +7038,7 @@
                 <a:latin typeface="Ara Hamah Alislam" panose="00000500000000000000" pitchFamily="2" charset="-78"/>
                 <a:cs typeface="Ara Hamah Alislam" panose="00000500000000000000" pitchFamily="2" charset="-78"/>
               </a:rPr>
-              <a:t>رمز : من الممكن بناء عدة سيناريوهات مع أوامر "قبعة" وتنفيذ </a:t>
-            </a:r>
-            <a:r>
-              <a:rPr lang="ar-EG" sz="3600" dirty="0" smtClean="0">
-                <a:latin typeface="Ara Hamah Alislam" panose="00000500000000000000" pitchFamily="2" charset="-78"/>
-                <a:cs typeface="Ara Hamah Alislam" panose="00000500000000000000" pitchFamily="2" charset="-78"/>
-              </a:rPr>
-              <a:t>جميعها في نفس الوقت </a:t>
+              <a:t>رمز : من الممكن بناء عدة سيناريوهات مع أوامر "قبعة" وتنفيذ جميعها في نفس الوقت </a:t>
             </a:r>
             <a:endParaRPr lang="he-IL" sz="3600" dirty="0" smtClean="0">
               <a:latin typeface="Ara Hamah Alislam" panose="00000500000000000000" pitchFamily="2" charset="-78"/>
@@ -7522,7 +7515,7 @@
     </p:spTree>
     <p:extLst>
       <p:ext uri="{BB962C8B-B14F-4D97-AF65-F5344CB8AC3E}">
-        <p14:creationId xmlns:p14="http://schemas.microsoft.com/office/powerpoint/2010/main" val="26747219"/>
+        <p14:creationId xmlns:p14="http://schemas.microsoft.com/office/powerpoint/2010/main" xmlns="" val="26747219"/>
       </p:ext>
     </p:extLst>
   </p:cSld>
@@ -7766,7 +7759,7 @@
     </p:spTree>
     <p:extLst>
       <p:ext uri="{BB962C8B-B14F-4D97-AF65-F5344CB8AC3E}">
-        <p14:creationId xmlns:p14="http://schemas.microsoft.com/office/powerpoint/2010/main" val="2508929371"/>
+        <p14:creationId xmlns:p14="http://schemas.microsoft.com/office/powerpoint/2010/main" xmlns="" val="2508929371"/>
       </p:ext>
     </p:extLst>
   </p:cSld>
@@ -7920,7 +7913,7 @@
     </p:spTree>
     <p:extLst>
       <p:ext uri="{BB962C8B-B14F-4D97-AF65-F5344CB8AC3E}">
-        <p14:creationId xmlns:p14="http://schemas.microsoft.com/office/powerpoint/2010/main" val="2508929371"/>
+        <p14:creationId xmlns:p14="http://schemas.microsoft.com/office/powerpoint/2010/main" xmlns="" val="2508929371"/>
       </p:ext>
     </p:extLst>
   </p:cSld>
@@ -8179,7 +8172,7 @@
         </p:blipFill>
         <p:spPr bwMode="auto">
           <a:xfrm>
-            <a:off x="2067555" y="5072395"/>
+            <a:off x="2150683" y="5619750"/>
             <a:ext cx="5648325" cy="1238250"/>
           </a:xfrm>
           <a:prstGeom prst="rect">
@@ -8280,7 +8273,7 @@
         </p:spPr>
         <p:txBody>
           <a:bodyPr>
-            <a:normAutofit lnSpcReduction="10000"/>
+            <a:normAutofit fontScale="92500" lnSpcReduction="10000"/>
           </a:bodyPr>
           <a:lstStyle/>
           <a:p>
@@ -8317,10 +8310,6 @@
               </a:rPr>
               <a:t>:</a:t>
             </a:r>
-            <a:endParaRPr lang="he-IL" sz="4000" dirty="0" smtClean="0">
-              <a:latin typeface="Ara Hamah Alislam" panose="00000500000000000000" pitchFamily="2" charset="-78"/>
-              <a:cs typeface="David" pitchFamily="34" charset="-79"/>
-            </a:endParaRPr>
           </a:p>
           <a:p>
             <a:pPr marL="857250" lvl="1" indent="-457200">
@@ -8514,28 +8503,7 @@
                 <a:latin typeface="Ara Hamah Alislam" panose="00000500000000000000" pitchFamily="2" charset="-78"/>
                 <a:cs typeface="Ara Hamah Alislam" panose="00000500000000000000" pitchFamily="2" charset="-78"/>
               </a:rPr>
-              <a:t>دائرة </a:t>
-            </a:r>
-            <a:r>
-              <a:rPr lang="ar-EG" sz="4000" dirty="0">
-                <a:latin typeface="Ara Hamah Alislam" panose="00000500000000000000" pitchFamily="2" charset="-78"/>
-                <a:cs typeface="Ara Hamah Alislam" panose="00000500000000000000" pitchFamily="2" charset="-78"/>
-              </a:rPr>
-              <a:t>كهربائية </a:t>
-            </a:r>
-            <a:r>
-              <a:rPr lang="ar-EG" sz="4000" dirty="0">
-                <a:latin typeface="Ara Hamah Alislam" panose="00000500000000000000" pitchFamily="2" charset="-78"/>
-                <a:cs typeface="Ara Hamah Alislam" panose="00000500000000000000" pitchFamily="2" charset="-78"/>
-              </a:rPr>
-              <a:t>ويتغير </a:t>
-            </a:r>
-            <a:r>
-              <a:rPr lang="ar-EG" sz="4000" dirty="0">
-                <a:latin typeface="Ara Hamah Alislam" panose="00000500000000000000" pitchFamily="2" charset="-78"/>
-                <a:cs typeface="Ara Hamah Alislam" panose="00000500000000000000" pitchFamily="2" charset="-78"/>
-              </a:rPr>
-              <a:t>الوضع من</a:t>
+              <a:t>دائرة كهربائية ويتغير الوضع من</a:t>
             </a:r>
             <a:r>
               <a:rPr lang="ar-EG" sz="3800" dirty="0">
@@ -8660,8 +8628,8 @@
         </p:nvSpPr>
         <p:spPr>
           <a:xfrm>
-            <a:off x="1133341" y="301037"/>
-            <a:ext cx="6968683" cy="1320800"/>
+            <a:off x="184727" y="301037"/>
+            <a:ext cx="7917297" cy="1320800"/>
           </a:xfrm>
         </p:spPr>
         <p:txBody>
@@ -8752,14 +8720,7 @@
                 <a:latin typeface="Ara Hamah Alislam" panose="00000500000000000000" pitchFamily="2" charset="-78"/>
                 <a:cs typeface="Ara Hamah Alislam" panose="00000500000000000000" pitchFamily="2" charset="-78"/>
               </a:rPr>
-              <a:t>و</a:t>
-            </a:r>
-            <a:r>
-              <a:rPr lang="ar-EG" sz="4400" dirty="0" smtClean="0">
-                <a:latin typeface="Ara Hamah Alislam" panose="00000500000000000000" pitchFamily="2" charset="-78"/>
-                <a:cs typeface="Ara Hamah Alislam" panose="00000500000000000000" pitchFamily="2" charset="-78"/>
-              </a:rPr>
-              <a:t>صل المجس بالأسلاك</a:t>
+              <a:t>وصل المجس بالأسلاك</a:t>
             </a:r>
             <a:r>
               <a:rPr lang="he-IL" sz="4400" dirty="0" smtClean="0">
@@ -8768,10 +8729,6 @@
               </a:rPr>
               <a:t>:</a:t>
             </a:r>
-            <a:endParaRPr lang="he-IL" sz="4400" dirty="0" smtClean="0">
-              <a:latin typeface="Ara Hamah Alislam" panose="00000500000000000000" pitchFamily="2" charset="-78"/>
-              <a:cs typeface="David" pitchFamily="34" charset="-79"/>
-            </a:endParaRPr>
           </a:p>
           <a:p>
             <a:pPr marL="457200" indent="-457200">
@@ -8804,8 +8761,8 @@
         </p:blipFill>
         <p:spPr bwMode="auto">
           <a:xfrm>
-            <a:off x="463640" y="3028353"/>
-            <a:ext cx="5562120" cy="3461657"/>
+            <a:off x="0" y="3684900"/>
+            <a:ext cx="5098473" cy="3173100"/>
           </a:xfrm>
           <a:prstGeom prst="rect">
             <a:avLst/>
@@ -8869,7 +8826,7 @@
         </p:spPr>
         <p:txBody>
           <a:bodyPr>
-            <a:normAutofit/>
+            <a:normAutofit fontScale="90000"/>
           </a:bodyPr>
           <a:lstStyle/>
           <a:p>
@@ -9168,7 +9125,7 @@
     </p:spTree>
     <p:extLst>
       <p:ext uri="{BB962C8B-B14F-4D97-AF65-F5344CB8AC3E}">
-        <p14:creationId xmlns:p14="http://schemas.microsoft.com/office/powerpoint/2010/main" val="1561115182"/>
+        <p14:creationId xmlns:p14="http://schemas.microsoft.com/office/powerpoint/2010/main" xmlns="" val="1561115182"/>
       </p:ext>
     </p:extLst>
   </p:cSld>
@@ -9256,7 +9213,7 @@
         </p:spPr>
         <p:txBody>
           <a:bodyPr>
-            <a:normAutofit/>
+            <a:normAutofit lnSpcReduction="10000"/>
           </a:bodyPr>
           <a:lstStyle/>
           <a:p>
@@ -9279,10 +9236,6 @@
               </a:rPr>
               <a:t>:</a:t>
             </a:r>
-            <a:endParaRPr lang="he-IL" sz="4000" dirty="0" smtClean="0">
-              <a:latin typeface="Ara Hamah Alislam" panose="00000500000000000000" pitchFamily="2" charset="-78"/>
-              <a:cs typeface="David" pitchFamily="34" charset="-79"/>
-            </a:endParaRPr>
           </a:p>
           <a:p>
             <a:pPr marL="857250" lvl="1" indent="-457200">
@@ -9453,7 +9406,7 @@
           <a:blip r:embed="rId3">
             <a:extLst>
               <a:ext uri="{28A0092B-C50C-407E-A947-70E740481C1C}">
-                <a14:useLocalDpi xmlns:a14="http://schemas.microsoft.com/office/drawing/2010/main" val="0"/>
+                <a14:useLocalDpi xmlns:a14="http://schemas.microsoft.com/office/drawing/2010/main" xmlns="" val="0"/>
               </a:ext>
             </a:extLst>
           </a:blip>
@@ -9607,14 +9560,7 @@
                 <a:latin typeface="Ara Hamah Alislam" panose="00000500000000000000" pitchFamily="2" charset="-78"/>
                 <a:cs typeface="Ara Hamah Alislam" panose="00000500000000000000" pitchFamily="2" charset="-78"/>
               </a:rPr>
-              <a:t>ماذا يجب ان تكون بيئة </a:t>
-            </a:r>
-            <a:r>
-              <a:rPr lang="ar-EG" sz="4400" dirty="0" smtClean="0">
-                <a:latin typeface="Ara Hamah Alislam" panose="00000500000000000000" pitchFamily="2" charset="-78"/>
-                <a:cs typeface="Ara Hamah Alislam" panose="00000500000000000000" pitchFamily="2" charset="-78"/>
-              </a:rPr>
-              <a:t>سكراتش </a:t>
+              <a:t>ماذا يجب ان تكون بيئة سكراتش </a:t>
             </a:r>
             <a:r>
               <a:rPr lang="en-US" sz="4400" dirty="0" smtClean="0">
@@ -9969,7 +9915,7 @@
   <a:extraClrSchemeLst/>
   <a:extLst>
     <a:ext uri="{05A4C25C-085E-4340-85A3-A5531E510DB2}">
-      <thm15:themeFamily xmlns:thm15="http://schemas.microsoft.com/office/thememl/2012/main" name="Facet" id="{C0C680CD-088A-49FC-A102-D699147F32B2}" vid="{CFBC31BA-B70F-4F30-BCAA-4F3011E16C4D}"/>
+      <thm15:themeFamily xmlns:thm15="http://schemas.microsoft.com/office/thememl/2012/main" xmlns="" name="Facet" id="{C0C680CD-088A-49FC-A102-D699147F32B2}" vid="{CFBC31BA-B70F-4F30-BCAA-4F3011E16C4D}"/>
     </a:ext>
   </a:extLst>
 </a:theme>

--- a/src/ppt8_ar.pptx
+++ b/src/ppt8_ar.pptx
@@ -120,7 +120,7 @@
   </p:defaultTextStyle>
   <p:extLst>
     <p:ext uri="{EFAFB233-063F-42B5-8137-9DF3F51BA10A}">
-      <p15:sldGuideLst xmlns:p15="http://schemas.microsoft.com/office/powerpoint/2012/main" xmlns="">
+      <p15:sldGuideLst xmlns="" xmlns:p15="http://schemas.microsoft.com/office/powerpoint/2012/main">
         <p15:guide id="1" orient="horz" pos="2160">
           <p15:clr>
             <a:srgbClr val="A4A3A4"/>
@@ -220,7 +220,7 @@
             <a:fld id="{288C3450-B1F7-4D70-BBD4-DE10EE2FA08A}" type="datetimeFigureOut">
               <a:rPr lang="he-IL" smtClean="0"/>
               <a:pPr/>
-              <a:t>י"א/אדר/תשע"ח</a:t>
+              <a:t>כ"ג/אייר/תשע"ח</a:t>
             </a:fld>
             <a:endParaRPr lang="he-IL"/>
           </a:p>
@@ -1839,7 +1839,7 @@
             <a:fld id="{48A87A34-81AB-432B-8DAE-1953F412C126}" type="datetimeFigureOut">
               <a:rPr lang="en-US" smtClean="0"/>
               <a:pPr/>
-              <a:t>2/26/2018</a:t>
+              <a:t>5/8/2018</a:t>
             </a:fld>
             <a:endParaRPr lang="en-US" dirty="0"/>
           </a:p>
@@ -1891,7 +1891,7 @@
     </p:spTree>
     <p:extLst>
       <p:ext uri="{BB962C8B-B14F-4D97-AF65-F5344CB8AC3E}">
-        <p14:creationId xmlns:p14="http://schemas.microsoft.com/office/powerpoint/2010/main" xmlns="" val="2379700270"/>
+        <p14:creationId xmlns="" xmlns:p14="http://schemas.microsoft.com/office/powerpoint/2010/main" val="2379700270"/>
       </p:ext>
     </p:extLst>
   </p:cSld>
@@ -2092,7 +2092,7 @@
             <a:fld id="{48A87A34-81AB-432B-8DAE-1953F412C126}" type="datetimeFigureOut">
               <a:rPr lang="en-US" smtClean="0"/>
               <a:pPr/>
-              <a:t>2/26/2018</a:t>
+              <a:t>5/8/2018</a:t>
             </a:fld>
             <a:endParaRPr lang="en-US" dirty="0"/>
           </a:p>
@@ -2144,7 +2144,7 @@
     </p:spTree>
     <p:extLst>
       <p:ext uri="{BB962C8B-B14F-4D97-AF65-F5344CB8AC3E}">
-        <p14:creationId xmlns:p14="http://schemas.microsoft.com/office/powerpoint/2010/main" xmlns="" val="1804991245"/>
+        <p14:creationId xmlns="" xmlns:p14="http://schemas.microsoft.com/office/powerpoint/2010/main" val="1804991245"/>
       </p:ext>
     </p:extLst>
   </p:cSld>
@@ -2408,7 +2408,7 @@
             <a:fld id="{48A87A34-81AB-432B-8DAE-1953F412C126}" type="datetimeFigureOut">
               <a:rPr lang="en-US" smtClean="0"/>
               <a:pPr/>
-              <a:t>2/26/2018</a:t>
+              <a:t>5/8/2018</a:t>
             </a:fld>
             <a:endParaRPr lang="en-US" dirty="0"/>
           </a:p>
@@ -2550,7 +2550,7 @@
     </p:spTree>
     <p:extLst>
       <p:ext uri="{BB962C8B-B14F-4D97-AF65-F5344CB8AC3E}">
-        <p14:creationId xmlns:p14="http://schemas.microsoft.com/office/powerpoint/2010/main" xmlns="" val="1473712570"/>
+        <p14:creationId xmlns="" xmlns:p14="http://schemas.microsoft.com/office/powerpoint/2010/main" val="1473712570"/>
       </p:ext>
     </p:extLst>
   </p:cSld>
@@ -2751,7 +2751,7 @@
             <a:fld id="{48A87A34-81AB-432B-8DAE-1953F412C126}" type="datetimeFigureOut">
               <a:rPr lang="en-US" smtClean="0"/>
               <a:pPr/>
-              <a:t>2/26/2018</a:t>
+              <a:t>5/8/2018</a:t>
             </a:fld>
             <a:endParaRPr lang="en-US" dirty="0"/>
           </a:p>
@@ -2803,7 +2803,7 @@
     </p:spTree>
     <p:extLst>
       <p:ext uri="{BB962C8B-B14F-4D97-AF65-F5344CB8AC3E}">
-        <p14:creationId xmlns:p14="http://schemas.microsoft.com/office/powerpoint/2010/main" xmlns="" val="2530574234"/>
+        <p14:creationId xmlns="" xmlns:p14="http://schemas.microsoft.com/office/powerpoint/2010/main" val="2530574234"/>
       </p:ext>
     </p:extLst>
   </p:cSld>
@@ -3067,7 +3067,7 @@
             <a:fld id="{48A87A34-81AB-432B-8DAE-1953F412C126}" type="datetimeFigureOut">
               <a:rPr lang="en-US" smtClean="0"/>
               <a:pPr/>
-              <a:t>2/26/2018</a:t>
+              <a:t>5/8/2018</a:t>
             </a:fld>
             <a:endParaRPr lang="en-US" dirty="0"/>
           </a:p>
@@ -3201,7 +3201,7 @@
     </p:spTree>
     <p:extLst>
       <p:ext uri="{BB962C8B-B14F-4D97-AF65-F5344CB8AC3E}">
-        <p14:creationId xmlns:p14="http://schemas.microsoft.com/office/powerpoint/2010/main" xmlns="" val="1004790222"/>
+        <p14:creationId xmlns="" xmlns:p14="http://schemas.microsoft.com/office/powerpoint/2010/main" val="1004790222"/>
       </p:ext>
     </p:extLst>
   </p:cSld>
@@ -3462,7 +3462,7 @@
             <a:fld id="{48A87A34-81AB-432B-8DAE-1953F412C126}" type="datetimeFigureOut">
               <a:rPr lang="en-US" smtClean="0"/>
               <a:pPr/>
-              <a:t>2/26/2018</a:t>
+              <a:t>5/8/2018</a:t>
             </a:fld>
             <a:endParaRPr lang="en-US" dirty="0"/>
           </a:p>
@@ -3514,7 +3514,7 @@
     </p:spTree>
     <p:extLst>
       <p:ext uri="{BB962C8B-B14F-4D97-AF65-F5344CB8AC3E}">
-        <p14:creationId xmlns:p14="http://schemas.microsoft.com/office/powerpoint/2010/main" xmlns="" val="3328784466"/>
+        <p14:creationId xmlns="" xmlns:p14="http://schemas.microsoft.com/office/powerpoint/2010/main" val="3328784466"/>
       </p:ext>
     </p:extLst>
   </p:cSld>
@@ -3634,7 +3634,7 @@
             <a:fld id="{48A87A34-81AB-432B-8DAE-1953F412C126}" type="datetimeFigureOut">
               <a:rPr lang="en-US" smtClean="0"/>
               <a:pPr/>
-              <a:t>2/26/2018</a:t>
+              <a:t>5/8/2018</a:t>
             </a:fld>
             <a:endParaRPr lang="en-US" dirty="0"/>
           </a:p>
@@ -3686,7 +3686,7 @@
     </p:spTree>
     <p:extLst>
       <p:ext uri="{BB962C8B-B14F-4D97-AF65-F5344CB8AC3E}">
-        <p14:creationId xmlns:p14="http://schemas.microsoft.com/office/powerpoint/2010/main" xmlns="" val="1447070425"/>
+        <p14:creationId xmlns="" xmlns:p14="http://schemas.microsoft.com/office/powerpoint/2010/main" val="1447070425"/>
       </p:ext>
     </p:extLst>
   </p:cSld>
@@ -3816,7 +3816,7 @@
             <a:fld id="{48A87A34-81AB-432B-8DAE-1953F412C126}" type="datetimeFigureOut">
               <a:rPr lang="en-US" smtClean="0"/>
               <a:pPr/>
-              <a:t>2/26/2018</a:t>
+              <a:t>5/8/2018</a:t>
             </a:fld>
             <a:endParaRPr lang="en-US" dirty="0"/>
           </a:p>
@@ -3868,7 +3868,7 @@
     </p:spTree>
     <p:extLst>
       <p:ext uri="{BB962C8B-B14F-4D97-AF65-F5344CB8AC3E}">
-        <p14:creationId xmlns:p14="http://schemas.microsoft.com/office/powerpoint/2010/main" xmlns="" val="3648480235"/>
+        <p14:creationId xmlns="" xmlns:p14="http://schemas.microsoft.com/office/powerpoint/2010/main" val="3648480235"/>
       </p:ext>
     </p:extLst>
   </p:cSld>
@@ -3994,7 +3994,7 @@
             <a:fld id="{48A87A34-81AB-432B-8DAE-1953F412C126}" type="datetimeFigureOut">
               <a:rPr lang="en-US" smtClean="0"/>
               <a:pPr/>
-              <a:t>2/26/2018</a:t>
+              <a:t>5/8/2018</a:t>
             </a:fld>
             <a:endParaRPr lang="en-US" dirty="0"/>
           </a:p>
@@ -4046,7 +4046,7 @@
     </p:spTree>
     <p:extLst>
       <p:ext uri="{BB962C8B-B14F-4D97-AF65-F5344CB8AC3E}">
-        <p14:creationId xmlns:p14="http://schemas.microsoft.com/office/powerpoint/2010/main" xmlns="" val="2649633687"/>
+        <p14:creationId xmlns="" xmlns:p14="http://schemas.microsoft.com/office/powerpoint/2010/main" val="2649633687"/>
       </p:ext>
     </p:extLst>
   </p:cSld>
@@ -4243,7 +4243,7 @@
             <a:fld id="{48A87A34-81AB-432B-8DAE-1953F412C126}" type="datetimeFigureOut">
               <a:rPr lang="en-US" smtClean="0"/>
               <a:pPr/>
-              <a:t>2/26/2018</a:t>
+              <a:t>5/8/2018</a:t>
             </a:fld>
             <a:endParaRPr lang="en-US" dirty="0"/>
           </a:p>
@@ -4295,7 +4295,7 @@
     </p:spTree>
     <p:extLst>
       <p:ext uri="{BB962C8B-B14F-4D97-AF65-F5344CB8AC3E}">
-        <p14:creationId xmlns:p14="http://schemas.microsoft.com/office/powerpoint/2010/main" xmlns="" val="572893903"/>
+        <p14:creationId xmlns="" xmlns:p14="http://schemas.microsoft.com/office/powerpoint/2010/main" val="572893903"/>
       </p:ext>
     </p:extLst>
   </p:cSld>
@@ -4477,7 +4477,7 @@
             <a:fld id="{48A87A34-81AB-432B-8DAE-1953F412C126}" type="datetimeFigureOut">
               <a:rPr lang="en-US" smtClean="0"/>
               <a:pPr/>
-              <a:t>2/26/2018</a:t>
+              <a:t>5/8/2018</a:t>
             </a:fld>
             <a:endParaRPr lang="en-US" dirty="0"/>
           </a:p>
@@ -4529,7 +4529,7 @@
     </p:spTree>
     <p:extLst>
       <p:ext uri="{BB962C8B-B14F-4D97-AF65-F5344CB8AC3E}">
-        <p14:creationId xmlns:p14="http://schemas.microsoft.com/office/powerpoint/2010/main" xmlns="" val="3918475607"/>
+        <p14:creationId xmlns="" xmlns:p14="http://schemas.microsoft.com/office/powerpoint/2010/main" val="3918475607"/>
       </p:ext>
     </p:extLst>
   </p:cSld>
@@ -4853,7 +4853,7 @@
             <a:fld id="{48A87A34-81AB-432B-8DAE-1953F412C126}" type="datetimeFigureOut">
               <a:rPr lang="en-US" smtClean="0"/>
               <a:pPr/>
-              <a:t>2/26/2018</a:t>
+              <a:t>5/8/2018</a:t>
             </a:fld>
             <a:endParaRPr lang="en-US" dirty="0"/>
           </a:p>
@@ -4905,7 +4905,7 @@
     </p:spTree>
     <p:extLst>
       <p:ext uri="{BB962C8B-B14F-4D97-AF65-F5344CB8AC3E}">
-        <p14:creationId xmlns:p14="http://schemas.microsoft.com/office/powerpoint/2010/main" xmlns="" val="70569158"/>
+        <p14:creationId xmlns="" xmlns:p14="http://schemas.microsoft.com/office/powerpoint/2010/main" val="70569158"/>
       </p:ext>
     </p:extLst>
   </p:cSld>
@@ -4978,7 +4978,7 @@
             <a:fld id="{48A87A34-81AB-432B-8DAE-1953F412C126}" type="datetimeFigureOut">
               <a:rPr lang="en-US" smtClean="0"/>
               <a:pPr/>
-              <a:t>2/26/2018</a:t>
+              <a:t>5/8/2018</a:t>
             </a:fld>
             <a:endParaRPr lang="en-US" dirty="0"/>
           </a:p>
@@ -5030,7 +5030,7 @@
     </p:spTree>
     <p:extLst>
       <p:ext uri="{BB962C8B-B14F-4D97-AF65-F5344CB8AC3E}">
-        <p14:creationId xmlns:p14="http://schemas.microsoft.com/office/powerpoint/2010/main" xmlns="" val="3956773614"/>
+        <p14:creationId xmlns="" xmlns:p14="http://schemas.microsoft.com/office/powerpoint/2010/main" val="3956773614"/>
       </p:ext>
     </p:extLst>
   </p:cSld>
@@ -5075,7 +5075,7 @@
             <a:fld id="{48A87A34-81AB-432B-8DAE-1953F412C126}" type="datetimeFigureOut">
               <a:rPr lang="en-US" smtClean="0"/>
               <a:pPr/>
-              <a:t>2/26/2018</a:t>
+              <a:t>5/8/2018</a:t>
             </a:fld>
             <a:endParaRPr lang="en-US" dirty="0"/>
           </a:p>
@@ -5127,7 +5127,7 @@
     </p:spTree>
     <p:extLst>
       <p:ext uri="{BB962C8B-B14F-4D97-AF65-F5344CB8AC3E}">
-        <p14:creationId xmlns:p14="http://schemas.microsoft.com/office/powerpoint/2010/main" xmlns="" val="843387325"/>
+        <p14:creationId xmlns="" xmlns:p14="http://schemas.microsoft.com/office/powerpoint/2010/main" val="843387325"/>
       </p:ext>
     </p:extLst>
   </p:cSld>
@@ -5332,7 +5332,7 @@
             <a:fld id="{48A87A34-81AB-432B-8DAE-1953F412C126}" type="datetimeFigureOut">
               <a:rPr lang="en-US" smtClean="0"/>
               <a:pPr/>
-              <a:t>2/26/2018</a:t>
+              <a:t>5/8/2018</a:t>
             </a:fld>
             <a:endParaRPr lang="en-US" dirty="0"/>
           </a:p>
@@ -5384,7 +5384,7 @@
     </p:spTree>
     <p:extLst>
       <p:ext uri="{BB962C8B-B14F-4D97-AF65-F5344CB8AC3E}">
-        <p14:creationId xmlns:p14="http://schemas.microsoft.com/office/powerpoint/2010/main" xmlns="" val="614752468"/>
+        <p14:creationId xmlns="" xmlns:p14="http://schemas.microsoft.com/office/powerpoint/2010/main" val="614752468"/>
       </p:ext>
     </p:extLst>
   </p:cSld>
@@ -5597,7 +5597,7 @@
             <a:fld id="{48A87A34-81AB-432B-8DAE-1953F412C126}" type="datetimeFigureOut">
               <a:rPr lang="en-US" smtClean="0"/>
               <a:pPr/>
-              <a:t>2/26/2018</a:t>
+              <a:t>5/8/2018</a:t>
             </a:fld>
             <a:endParaRPr lang="en-US" dirty="0"/>
           </a:p>
@@ -5649,7 +5649,7 @@
     </p:spTree>
     <p:extLst>
       <p:ext uri="{BB962C8B-B14F-4D97-AF65-F5344CB8AC3E}">
-        <p14:creationId xmlns:p14="http://schemas.microsoft.com/office/powerpoint/2010/main" xmlns="" val="2525773852"/>
+        <p14:creationId xmlns="" xmlns:p14="http://schemas.microsoft.com/office/powerpoint/2010/main" val="2525773852"/>
       </p:ext>
     </p:extLst>
   </p:cSld>
@@ -6342,7 +6342,7 @@
             <a:fld id="{48A87A34-81AB-432B-8DAE-1953F412C126}" type="datetimeFigureOut">
               <a:rPr lang="en-US" smtClean="0"/>
               <a:pPr/>
-              <a:t>2/26/2018</a:t>
+              <a:t>5/8/2018</a:t>
             </a:fld>
             <a:endParaRPr lang="en-US" dirty="0"/>
           </a:p>
@@ -6428,7 +6428,7 @@
     </p:spTree>
     <p:extLst>
       <p:ext uri="{BB962C8B-B14F-4D97-AF65-F5344CB8AC3E}">
-        <p14:creationId xmlns:p14="http://schemas.microsoft.com/office/powerpoint/2010/main" xmlns="" val="2849168193"/>
+        <p14:creationId xmlns="" xmlns:p14="http://schemas.microsoft.com/office/powerpoint/2010/main" val="2849168193"/>
       </p:ext>
     </p:extLst>
   </p:cSld>
@@ -6906,7 +6906,7 @@
     </p:spTree>
     <p:extLst>
       <p:ext uri="{BB962C8B-B14F-4D97-AF65-F5344CB8AC3E}">
-        <p14:creationId xmlns:p14="http://schemas.microsoft.com/office/powerpoint/2010/main" xmlns="" val="1597654807"/>
+        <p14:creationId xmlns="" xmlns:p14="http://schemas.microsoft.com/office/powerpoint/2010/main" val="1597654807"/>
       </p:ext>
     </p:extLst>
   </p:cSld>
@@ -7504,7 +7504,28 @@
                 <a:latin typeface="Ara Hamah Alislam" panose="00000500000000000000" pitchFamily="2" charset="-78"/>
                 <a:cs typeface="Ara Hamah Alislam" panose="00000500000000000000" pitchFamily="2" charset="-78"/>
               </a:rPr>
-              <a:t>رتب الروبوت قبل وضعه في الخزانة </a:t>
+              <a:t>رتب الروبوت قبل وضعه في </a:t>
+            </a:r>
+            <a:r>
+              <a:rPr lang="ar-EG" sz="5700" dirty="0" smtClean="0">
+                <a:latin typeface="Ara Hamah Alislam" panose="00000500000000000000" pitchFamily="2" charset="-78"/>
+                <a:cs typeface="Ara Hamah Alislam" panose="00000500000000000000" pitchFamily="2" charset="-78"/>
+              </a:rPr>
+              <a:t>الخزانة</a:t>
+            </a:r>
+            <a:r>
+              <a:rPr lang="he-IL" sz="5700" smtClean="0">
+                <a:latin typeface="Ara Hamah Alislam" panose="00000500000000000000" pitchFamily="2" charset="-78"/>
+                <a:cs typeface="Ara Hamah Alislam" panose="00000500000000000000" pitchFamily="2" charset="-78"/>
+              </a:rPr>
+              <a:t> </a:t>
+            </a:r>
+            <a:r>
+              <a:rPr lang="ar-EG" sz="5700" smtClean="0">
+                <a:latin typeface="Ara Hamah Alislam" panose="00000500000000000000" pitchFamily="2" charset="-78"/>
+                <a:cs typeface="Ara Hamah Alislam" panose="00000500000000000000" pitchFamily="2" charset="-78"/>
+              </a:rPr>
+              <a:t> </a:t>
             </a:r>
             <a:endParaRPr lang="he-IL" sz="5700" dirty="0" smtClean="0">
               <a:latin typeface="Ara Hamah Alislam" panose="00000500000000000000" pitchFamily="2" charset="-78"/>
@@ -7515,7 +7536,7 @@
     </p:spTree>
     <p:extLst>
       <p:ext uri="{BB962C8B-B14F-4D97-AF65-F5344CB8AC3E}">
-        <p14:creationId xmlns:p14="http://schemas.microsoft.com/office/powerpoint/2010/main" xmlns="" val="26747219"/>
+        <p14:creationId xmlns="" xmlns:p14="http://schemas.microsoft.com/office/powerpoint/2010/main" val="26747219"/>
       </p:ext>
     </p:extLst>
   </p:cSld>
@@ -7759,7 +7780,7 @@
     </p:spTree>
     <p:extLst>
       <p:ext uri="{BB962C8B-B14F-4D97-AF65-F5344CB8AC3E}">
-        <p14:creationId xmlns:p14="http://schemas.microsoft.com/office/powerpoint/2010/main" xmlns="" val="2508929371"/>
+        <p14:creationId xmlns="" xmlns:p14="http://schemas.microsoft.com/office/powerpoint/2010/main" val="2508929371"/>
       </p:ext>
     </p:extLst>
   </p:cSld>
@@ -7913,7 +7934,7 @@
     </p:spTree>
     <p:extLst>
       <p:ext uri="{BB962C8B-B14F-4D97-AF65-F5344CB8AC3E}">
-        <p14:creationId xmlns:p14="http://schemas.microsoft.com/office/powerpoint/2010/main" xmlns="" val="2508929371"/>
+        <p14:creationId xmlns="" xmlns:p14="http://schemas.microsoft.com/office/powerpoint/2010/main" val="2508929371"/>
       </p:ext>
     </p:extLst>
   </p:cSld>
@@ -9125,7 +9146,7 @@
     </p:spTree>
     <p:extLst>
       <p:ext uri="{BB962C8B-B14F-4D97-AF65-F5344CB8AC3E}">
-        <p14:creationId xmlns:p14="http://schemas.microsoft.com/office/powerpoint/2010/main" xmlns="" val="1561115182"/>
+        <p14:creationId xmlns="" xmlns:p14="http://schemas.microsoft.com/office/powerpoint/2010/main" val="1561115182"/>
       </p:ext>
     </p:extLst>
   </p:cSld>
@@ -9406,7 +9427,7 @@
           <a:blip r:embed="rId3">
             <a:extLst>
               <a:ext uri="{28A0092B-C50C-407E-A947-70E740481C1C}">
-                <a14:useLocalDpi xmlns:a14="http://schemas.microsoft.com/office/drawing/2010/main" xmlns="" val="0"/>
+                <a14:useLocalDpi xmlns="" xmlns:a14="http://schemas.microsoft.com/office/drawing/2010/main" val="0"/>
               </a:ext>
             </a:extLst>
           </a:blip>
@@ -9915,7 +9936,7 @@
   <a:extraClrSchemeLst/>
   <a:extLst>
     <a:ext uri="{05A4C25C-085E-4340-85A3-A5531E510DB2}">
-      <thm15:themeFamily xmlns:thm15="http://schemas.microsoft.com/office/thememl/2012/main" xmlns="" name="Facet" id="{C0C680CD-088A-49FC-A102-D699147F32B2}" vid="{CFBC31BA-B70F-4F30-BCAA-4F3011E16C4D}"/>
+      <thm15:themeFamily xmlns="" xmlns:thm15="http://schemas.microsoft.com/office/thememl/2012/main" name="Facet" id="{C0C680CD-088A-49FC-A102-D699147F32B2}" vid="{CFBC31BA-B70F-4F30-BCAA-4F3011E16C4D}"/>
     </a:ext>
   </a:extLst>
 </a:theme>
